--- a/Exercize_1/ExampleForPresi/Spektrum-Analyse-in-Simulink.pptx
+++ b/Exercize_1/ExampleForPresi/Spektrum-Analyse-in-Simulink.pptx
@@ -5,7 +5,7 @@
     <p:sldMasterId id="2147483648" r:id="rId1"/>
   </p:sldMasterIdLst>
   <p:notesMasterIdLst>
-    <p:notesMasterId r:id="rId14"/>
+    <p:notesMasterId r:id="rId15"/>
   </p:notesMasterIdLst>
   <p:sldIdLst>
     <p:sldId id="256" r:id="rId2"/>
@@ -20,6 +20,7 @@
     <p:sldId id="265" r:id="rId11"/>
     <p:sldId id="266" r:id="rId12"/>
     <p:sldId id="267" r:id="rId13"/>
+    <p:sldId id="268" r:id="rId14"/>
   </p:sldIdLst>
   <p:sldSz cx="14630400" cy="8229600"/>
   <p:notesSz cx="8229600" cy="14630400"/>
@@ -578,6 +579,114 @@
     <p:extLst>
       <p:ext uri="{BB962C8B-B14F-4D97-AF65-F5344CB8AC3E}">
         <p14:creationId xmlns:p14="http://schemas.microsoft.com/office/powerpoint/2010/main" val="1024086991"/>
+      </p:ext>
+    </p:extLst>
+  </p:cSld>
+  <p:clrMapOvr>
+    <a:masterClrMapping/>
+  </p:clrMapOvr>
+</p:notes>
+</file>
+
+<file path=ppt/notesSlides/notesSlide13.xml><?xml version="1.0" encoding="utf-8"?>
+<p:notes xmlns:a="http://schemas.openxmlformats.org/drawingml/2006/main" xmlns:r="http://schemas.openxmlformats.org/officeDocument/2006/relationships" xmlns:p="http://schemas.openxmlformats.org/presentationml/2006/main">
+  <p:cSld>
+    <p:spTree>
+      <p:nvGrpSpPr>
+        <p:cNvPr id="1" name="">
+          <a:extLst>
+            <a:ext uri="{FF2B5EF4-FFF2-40B4-BE49-F238E27FC236}">
+              <a16:creationId xmlns:a16="http://schemas.microsoft.com/office/drawing/2014/main" id="{2AE13DA6-89C0-35F3-CC1C-AB826534C838}"/>
+            </a:ext>
+          </a:extLst>
+        </p:cNvPr>
+        <p:cNvGrpSpPr/>
+        <p:nvPr/>
+      </p:nvGrpSpPr>
+      <p:grpSpPr>
+        <a:xfrm>
+          <a:off x="0" y="0"/>
+          <a:ext cx="0" cy="0"/>
+          <a:chOff x="0" y="0"/>
+          <a:chExt cx="0" cy="0"/>
+        </a:xfrm>
+      </p:grpSpPr>
+      <p:sp>
+        <p:nvSpPr>
+          <p:cNvPr id="2" name="Slide Image Placeholder 1">
+            <a:extLst>
+              <a:ext uri="{FF2B5EF4-FFF2-40B4-BE49-F238E27FC236}">
+                <a16:creationId xmlns:a16="http://schemas.microsoft.com/office/drawing/2014/main" id="{CA8D0C8C-88EA-4841-F5A1-0288C2245C55}"/>
+              </a:ext>
+            </a:extLst>
+          </p:cNvPr>
+          <p:cNvSpPr>
+            <a:spLocks noGrp="1" noRot="1" noChangeAspect="1"/>
+          </p:cNvSpPr>
+          <p:nvPr>
+            <p:ph type="sldImg"/>
+          </p:nvPr>
+        </p:nvSpPr>
+        <p:spPr/>
+      </p:sp>
+      <p:sp>
+        <p:nvSpPr>
+          <p:cNvPr id="3" name="Notes Placeholder 2">
+            <a:extLst>
+              <a:ext uri="{FF2B5EF4-FFF2-40B4-BE49-F238E27FC236}">
+                <a16:creationId xmlns:a16="http://schemas.microsoft.com/office/drawing/2014/main" id="{C39225DB-4F06-FC69-099A-44FC6861156D}"/>
+              </a:ext>
+            </a:extLst>
+          </p:cNvPr>
+          <p:cNvSpPr>
+            <a:spLocks noGrp="1"/>
+          </p:cNvSpPr>
+          <p:nvPr>
+            <p:ph type="body" idx="1"/>
+          </p:nvPr>
+        </p:nvSpPr>
+        <p:spPr/>
+        <p:txBody>
+          <a:bodyPr/>
+          <a:lstStyle/>
+          <a:p>
+            <a:endParaRPr lang="en-US" dirty="0"/>
+          </a:p>
+        </p:txBody>
+      </p:sp>
+      <p:sp>
+        <p:nvSpPr>
+          <p:cNvPr id="4" name="Slide Number Placeholder 3">
+            <a:extLst>
+              <a:ext uri="{FF2B5EF4-FFF2-40B4-BE49-F238E27FC236}">
+                <a16:creationId xmlns:a16="http://schemas.microsoft.com/office/drawing/2014/main" id="{332BA925-454F-DFBB-6366-E50FC81035EC}"/>
+              </a:ext>
+            </a:extLst>
+          </p:cNvPr>
+          <p:cNvSpPr>
+            <a:spLocks noGrp="1"/>
+          </p:cNvSpPr>
+          <p:nvPr>
+            <p:ph type="sldNum" sz="quarter" idx="10"/>
+          </p:nvPr>
+        </p:nvSpPr>
+        <p:spPr/>
+        <p:txBody>
+          <a:bodyPr/>
+          <a:lstStyle/>
+          <a:p>
+            <a:fld id="{F7021451-1387-4CA6-816F-3879F97B5CBC}" type="slidenum">
+              <a:rPr lang="en-US"/>
+              <a:t>13</a:t>
+            </a:fld>
+            <a:endParaRPr lang="en-US"/>
+          </a:p>
+        </p:txBody>
+      </p:sp>
+    </p:spTree>
+    <p:extLst>
+      <p:ext uri="{BB962C8B-B14F-4D97-AF65-F5344CB8AC3E}">
+        <p14:creationId xmlns:p14="http://schemas.microsoft.com/office/powerpoint/2010/main" val="2469588024"/>
       </p:ext>
     </p:extLst>
   </p:cSld>
@@ -2791,7 +2900,7 @@
               <a:buNone/>
             </a:pPr>
             <a:r>
-              <a:rPr lang="en-US" sz="1750" kern="0" spc="-36" dirty="0">
+              <a:rPr lang="en-US" sz="2400" kern="0" spc="-36" dirty="0">
                 <a:solidFill>
                   <a:srgbClr val="272525"/>
                 </a:solidFill>
@@ -2801,7 +2910,7 @@
               </a:rPr>
               <a:t>von Carl Colmant</a:t>
             </a:r>
-            <a:endParaRPr lang="en-US" sz="1750" dirty="0"/>
+            <a:endParaRPr lang="en-US" sz="2400" dirty="0"/>
           </a:p>
         </p:txBody>
       </p:sp>
@@ -2866,7 +2975,51 @@
                 <a:ea typeface="Inter Bold" pitchFamily="34" charset="-122"/>
                 <a:cs typeface="Inter Bold" pitchFamily="34" charset="-120"/>
               </a:rPr>
-              <a:t>Die Woche</a:t>
+              <a:t>Die </a:t>
+            </a:r>
+            <a:r>
+              <a:rPr lang="en-US" sz="3650" b="1" kern="0" spc="-110" dirty="0" err="1">
+                <a:solidFill>
+                  <a:srgbClr val="000000"/>
+                </a:solidFill>
+                <a:latin typeface="Inter Bold" pitchFamily="34" charset="0"/>
+                <a:ea typeface="Inter Bold" pitchFamily="34" charset="-122"/>
+                <a:cs typeface="Inter Bold" pitchFamily="34" charset="-120"/>
+              </a:rPr>
+              <a:t>Woche</a:t>
+            </a:r>
+            <a:r>
+              <a:rPr lang="en-US" sz="3650" b="1" kern="0" spc="-110" dirty="0">
+                <a:solidFill>
+                  <a:srgbClr val="000000"/>
+                </a:solidFill>
+                <a:latin typeface="Inter Bold" pitchFamily="34" charset="0"/>
+                <a:ea typeface="Inter Bold" pitchFamily="34" charset="-122"/>
+                <a:cs typeface="Inter Bold" pitchFamily="34" charset="-120"/>
+              </a:rPr>
+              <a:t> </a:t>
+            </a:r>
+            <a:r>
+              <a:rPr lang="en-US" sz="3650" b="1" kern="0" spc="-110" dirty="0" err="1">
+                <a:solidFill>
+                  <a:srgbClr val="000000"/>
+                </a:solidFill>
+                <a:latin typeface="Inter Bold" pitchFamily="34" charset="0"/>
+                <a:ea typeface="Inter Bold" pitchFamily="34" charset="-122"/>
+                <a:cs typeface="Inter Bold" pitchFamily="34" charset="-120"/>
+              </a:rPr>
+              <a:t>mit</a:t>
+            </a:r>
+            <a:r>
+              <a:rPr lang="en-US" sz="3650" b="1" kern="0" spc="-110" dirty="0">
+                <a:solidFill>
+                  <a:srgbClr val="000000"/>
+                </a:solidFill>
+                <a:latin typeface="Inter Bold" pitchFamily="34" charset="0"/>
+                <a:ea typeface="Inter Bold" pitchFamily="34" charset="-122"/>
+                <a:cs typeface="Inter Bold" pitchFamily="34" charset="-120"/>
+              </a:rPr>
+              <a:t> HP und LP (Scope)</a:t>
             </a:r>
             <a:endParaRPr lang="en-US" sz="3650" dirty="0"/>
           </a:p>
@@ -3110,7 +3263,7 @@
                 <a:ea typeface="Inter Bold" pitchFamily="34" charset="-122"/>
                 <a:cs typeface="Inter Bold" pitchFamily="34" charset="-120"/>
               </a:rPr>
-              <a:t>Zusammenfassen der Daten</a:t>
+              <a:t>Zusammenfassen der Daten (Scope)</a:t>
             </a:r>
             <a:endParaRPr lang="en-US" sz="2950" dirty="0"/>
           </a:p>
@@ -3172,6 +3325,193 @@
         </p:txBody>
       </p:sp>
     </p:spTree>
+  </p:cSld>
+  <p:clrMapOvr>
+    <a:masterClrMapping/>
+  </p:clrMapOvr>
+</p:sld>
+</file>
+
+<file path=ppt/slides/slide13.xml><?xml version="1.0" encoding="utf-8"?>
+<p:sld xmlns:a="http://schemas.openxmlformats.org/drawingml/2006/main" xmlns:r="http://schemas.openxmlformats.org/officeDocument/2006/relationships" xmlns:p="http://schemas.openxmlformats.org/presentationml/2006/main" showMasterSp="0">
+  <p:cSld>
+    <p:spTree>
+      <p:nvGrpSpPr>
+        <p:cNvPr id="1" name="">
+          <a:extLst>
+            <a:ext uri="{FF2B5EF4-FFF2-40B4-BE49-F238E27FC236}">
+              <a16:creationId xmlns:a16="http://schemas.microsoft.com/office/drawing/2014/main" id="{ECFCFC15-26CF-6CE2-FB5F-99255633F0B2}"/>
+            </a:ext>
+          </a:extLst>
+        </p:cNvPr>
+        <p:cNvGrpSpPr/>
+        <p:nvPr/>
+      </p:nvGrpSpPr>
+      <p:grpSpPr>
+        <a:xfrm>
+          <a:off x="0" y="0"/>
+          <a:ext cx="0" cy="0"/>
+          <a:chOff x="0" y="0"/>
+          <a:chExt cx="0" cy="0"/>
+        </a:xfrm>
+      </p:grpSpPr>
+      <p:sp>
+        <p:nvSpPr>
+          <p:cNvPr id="2" name="Text 0">
+            <a:extLst>
+              <a:ext uri="{FF2B5EF4-FFF2-40B4-BE49-F238E27FC236}">
+                <a16:creationId xmlns:a16="http://schemas.microsoft.com/office/drawing/2014/main" id="{526E4F8B-D3C7-DFEE-5FC2-77DF775823A9}"/>
+              </a:ext>
+            </a:extLst>
+          </p:cNvPr>
+          <p:cNvSpPr/>
+          <p:nvPr/>
+        </p:nvSpPr>
+        <p:spPr>
+          <a:xfrm>
+            <a:off x="3996519" y="3879592"/>
+            <a:ext cx="6637361" cy="470416"/>
+          </a:xfrm>
+          <a:prstGeom prst="rect">
+            <a:avLst/>
+          </a:prstGeom>
+          <a:noFill/>
+          <a:ln/>
+        </p:spPr>
+        <p:txBody>
+          <a:bodyPr wrap="none" lIns="0" tIns="0" rIns="0" bIns="0" rtlCol="0" anchor="t"/>
+          <a:lstStyle/>
+          <a:p>
+            <a:pPr marL="0" indent="0" algn="l">
+              <a:lnSpc>
+                <a:spcPts val="3700"/>
+              </a:lnSpc>
+              <a:buNone/>
+            </a:pPr>
+            <a:r>
+              <a:rPr lang="en-US" sz="3600" b="1" kern="0" spc="-89" dirty="0" err="1">
+                <a:solidFill>
+                  <a:srgbClr val="000000"/>
+                </a:solidFill>
+                <a:latin typeface="Inter Bold" pitchFamily="34" charset="0"/>
+                <a:ea typeface="Inter Bold" pitchFamily="34" charset="-122"/>
+                <a:cs typeface="Inter Bold" pitchFamily="34" charset="-120"/>
+              </a:rPr>
+              <a:t>Vielen</a:t>
+            </a:r>
+            <a:r>
+              <a:rPr lang="en-US" sz="3600" b="1" kern="0" spc="-89">
+                <a:solidFill>
+                  <a:srgbClr val="000000"/>
+                </a:solidFill>
+                <a:latin typeface="Inter Bold" pitchFamily="34" charset="0"/>
+                <a:ea typeface="Inter Bold" pitchFamily="34" charset="-122"/>
+                <a:cs typeface="Inter Bold" pitchFamily="34" charset="-120"/>
+              </a:rPr>
+              <a:t> </a:t>
+            </a:r>
+            <a:r>
+              <a:rPr lang="en-US" sz="3600" b="1" kern="0" spc="-89" dirty="0">
+                <a:solidFill>
+                  <a:srgbClr val="000000"/>
+                </a:solidFill>
+                <a:latin typeface="Inter Bold" pitchFamily="34" charset="0"/>
+                <a:ea typeface="Inter Bold" pitchFamily="34" charset="-122"/>
+                <a:cs typeface="Inter Bold" pitchFamily="34" charset="-120"/>
+              </a:rPr>
+              <a:t>D</a:t>
+            </a:r>
+            <a:r>
+              <a:rPr lang="en-US" sz="3600" b="1" kern="0" spc="-89">
+                <a:solidFill>
+                  <a:srgbClr val="000000"/>
+                </a:solidFill>
+                <a:latin typeface="Inter Bold" pitchFamily="34" charset="0"/>
+                <a:ea typeface="Inter Bold" pitchFamily="34" charset="-122"/>
+                <a:cs typeface="Inter Bold" pitchFamily="34" charset="-120"/>
+              </a:rPr>
+              <a:t>ank </a:t>
+            </a:r>
+            <a:r>
+              <a:rPr lang="en-US" sz="3600" b="1" kern="0" spc="-89" dirty="0">
+                <a:solidFill>
+                  <a:srgbClr val="000000"/>
+                </a:solidFill>
+                <a:latin typeface="Inter Bold" pitchFamily="34" charset="0"/>
+                <a:ea typeface="Inter Bold" pitchFamily="34" charset="-122"/>
+                <a:cs typeface="Inter Bold" pitchFamily="34" charset="-120"/>
+              </a:rPr>
+              <a:t>für </a:t>
+            </a:r>
+            <a:r>
+              <a:rPr lang="en-US" sz="3600" b="1" kern="0" spc="-89" dirty="0" err="1">
+                <a:solidFill>
+                  <a:srgbClr val="000000"/>
+                </a:solidFill>
+                <a:latin typeface="Inter Bold" pitchFamily="34" charset="0"/>
+                <a:ea typeface="Inter Bold" pitchFamily="34" charset="-122"/>
+                <a:cs typeface="Inter Bold" pitchFamily="34" charset="-120"/>
+              </a:rPr>
+              <a:t>eure</a:t>
+            </a:r>
+            <a:r>
+              <a:rPr lang="en-US" sz="3600" b="1" kern="0" spc="-89" dirty="0">
+                <a:solidFill>
+                  <a:srgbClr val="000000"/>
+                </a:solidFill>
+                <a:latin typeface="Inter Bold" pitchFamily="34" charset="0"/>
+                <a:ea typeface="Inter Bold" pitchFamily="34" charset="-122"/>
+                <a:cs typeface="Inter Bold" pitchFamily="34" charset="-120"/>
+              </a:rPr>
+              <a:t> Aufmerksamkeit.</a:t>
+            </a:r>
+            <a:endParaRPr lang="en-US" sz="3600" dirty="0"/>
+          </a:p>
+        </p:txBody>
+      </p:sp>
+      <p:sp>
+        <p:nvSpPr>
+          <p:cNvPr id="4" name="Text 1">
+            <a:extLst>
+              <a:ext uri="{FF2B5EF4-FFF2-40B4-BE49-F238E27FC236}">
+                <a16:creationId xmlns:a16="http://schemas.microsoft.com/office/drawing/2014/main" id="{F3D26E74-F61F-52E3-B4B4-A59B118CB042}"/>
+              </a:ext>
+            </a:extLst>
+          </p:cNvPr>
+          <p:cNvSpPr/>
+          <p:nvPr/>
+        </p:nvSpPr>
+        <p:spPr>
+          <a:xfrm>
+            <a:off x="526852" y="9399270"/>
+            <a:ext cx="13576697" cy="240744"/>
+          </a:xfrm>
+          <a:prstGeom prst="rect">
+            <a:avLst/>
+          </a:prstGeom>
+          <a:noFill/>
+          <a:ln/>
+        </p:spPr>
+        <p:txBody>
+          <a:bodyPr wrap="none" lIns="0" tIns="0" rIns="0" bIns="0" rtlCol="0" anchor="t"/>
+          <a:lstStyle/>
+          <a:p>
+            <a:pPr marL="0" indent="0" algn="l">
+              <a:lnSpc>
+                <a:spcPts val="1850"/>
+              </a:lnSpc>
+              <a:buNone/>
+            </a:pPr>
+            <a:endParaRPr lang="en-US" sz="1150" dirty="0"/>
+          </a:p>
+        </p:txBody>
+      </p:sp>
+    </p:spTree>
+    <p:extLst>
+      <p:ext uri="{BB962C8B-B14F-4D97-AF65-F5344CB8AC3E}">
+        <p14:creationId xmlns:p14="http://schemas.microsoft.com/office/powerpoint/2010/main" val="62706748"/>
+      </p:ext>
+    </p:extLst>
   </p:cSld>
   <p:clrMapOvr>
     <a:masterClrMapping/>
@@ -4289,6 +4629,10 @@
           <a:prstGeom prst="rect">
             <a:avLst/>
           </a:prstGeom>
+          <a:blipFill>
+            <a:blip r:embed="rId4"/>
+            <a:tile tx="0" ty="0" sx="100000" sy="100000" flip="none" algn="tl"/>
+          </a:blipFill>
         </p:spPr>
       </p:pic>
       <p:sp>
